--- a/Power Automate  Desktop.pptx
+++ b/Power Automate  Desktop.pptx
@@ -10,6 +10,11 @@
     <p:sldId id="258" r:id="rId4"/>
     <p:sldId id="259" r:id="rId5"/>
     <p:sldId id="260" r:id="rId6"/>
+    <p:sldId id="261" r:id="rId7"/>
+    <p:sldId id="262" r:id="rId8"/>
+    <p:sldId id="265" r:id="rId9"/>
+    <p:sldId id="264" r:id="rId10"/>
+    <p:sldId id="263" r:id="rId11"/>
   </p:sldIdLst>
   <p:sldSz cx="12192000" cy="6858000"/>
   <p:notesSz cx="6858000" cy="9144000"/>
@@ -263,7 +268,7 @@
           <a:p>
             <a:fld id="{854E2473-ACD8-4513-94D9-67BBAAC51585}" type="datetimeFigureOut">
               <a:rPr lang="zh-TW" altLang="en-US" smtClean="0"/>
-              <a:t>2021/3/14</a:t>
+              <a:t>2021/3/17</a:t>
             </a:fld>
             <a:endParaRPr lang="zh-TW" altLang="en-US"/>
           </a:p>
@@ -461,7 +466,7 @@
           <a:p>
             <a:fld id="{854E2473-ACD8-4513-94D9-67BBAAC51585}" type="datetimeFigureOut">
               <a:rPr lang="zh-TW" altLang="en-US" smtClean="0"/>
-              <a:t>2021/3/14</a:t>
+              <a:t>2021/3/17</a:t>
             </a:fld>
             <a:endParaRPr lang="zh-TW" altLang="en-US"/>
           </a:p>
@@ -669,7 +674,7 @@
           <a:p>
             <a:fld id="{854E2473-ACD8-4513-94D9-67BBAAC51585}" type="datetimeFigureOut">
               <a:rPr lang="zh-TW" altLang="en-US" smtClean="0"/>
-              <a:t>2021/3/14</a:t>
+              <a:t>2021/3/17</a:t>
             </a:fld>
             <a:endParaRPr lang="zh-TW" altLang="en-US"/>
           </a:p>
@@ -867,7 +872,7 @@
           <a:p>
             <a:fld id="{854E2473-ACD8-4513-94D9-67BBAAC51585}" type="datetimeFigureOut">
               <a:rPr lang="zh-TW" altLang="en-US" smtClean="0"/>
-              <a:t>2021/3/14</a:t>
+              <a:t>2021/3/17</a:t>
             </a:fld>
             <a:endParaRPr lang="zh-TW" altLang="en-US"/>
           </a:p>
@@ -1142,7 +1147,7 @@
           <a:p>
             <a:fld id="{854E2473-ACD8-4513-94D9-67BBAAC51585}" type="datetimeFigureOut">
               <a:rPr lang="zh-TW" altLang="en-US" smtClean="0"/>
-              <a:t>2021/3/14</a:t>
+              <a:t>2021/3/17</a:t>
             </a:fld>
             <a:endParaRPr lang="zh-TW" altLang="en-US"/>
           </a:p>
@@ -1407,7 +1412,7 @@
           <a:p>
             <a:fld id="{854E2473-ACD8-4513-94D9-67BBAAC51585}" type="datetimeFigureOut">
               <a:rPr lang="zh-TW" altLang="en-US" smtClean="0"/>
-              <a:t>2021/3/14</a:t>
+              <a:t>2021/3/17</a:t>
             </a:fld>
             <a:endParaRPr lang="zh-TW" altLang="en-US"/>
           </a:p>
@@ -1819,7 +1824,7 @@
           <a:p>
             <a:fld id="{854E2473-ACD8-4513-94D9-67BBAAC51585}" type="datetimeFigureOut">
               <a:rPr lang="zh-TW" altLang="en-US" smtClean="0"/>
-              <a:t>2021/3/14</a:t>
+              <a:t>2021/3/17</a:t>
             </a:fld>
             <a:endParaRPr lang="zh-TW" altLang="en-US"/>
           </a:p>
@@ -1960,7 +1965,7 @@
           <a:p>
             <a:fld id="{854E2473-ACD8-4513-94D9-67BBAAC51585}" type="datetimeFigureOut">
               <a:rPr lang="zh-TW" altLang="en-US" smtClean="0"/>
-              <a:t>2021/3/14</a:t>
+              <a:t>2021/3/17</a:t>
             </a:fld>
             <a:endParaRPr lang="zh-TW" altLang="en-US"/>
           </a:p>
@@ -2073,7 +2078,7 @@
           <a:p>
             <a:fld id="{854E2473-ACD8-4513-94D9-67BBAAC51585}" type="datetimeFigureOut">
               <a:rPr lang="zh-TW" altLang="en-US" smtClean="0"/>
-              <a:t>2021/3/14</a:t>
+              <a:t>2021/3/17</a:t>
             </a:fld>
             <a:endParaRPr lang="zh-TW" altLang="en-US"/>
           </a:p>
@@ -2384,7 +2389,7 @@
           <a:p>
             <a:fld id="{854E2473-ACD8-4513-94D9-67BBAAC51585}" type="datetimeFigureOut">
               <a:rPr lang="zh-TW" altLang="en-US" smtClean="0"/>
-              <a:t>2021/3/14</a:t>
+              <a:t>2021/3/17</a:t>
             </a:fld>
             <a:endParaRPr lang="zh-TW" altLang="en-US"/>
           </a:p>
@@ -2672,7 +2677,7 @@
           <a:p>
             <a:fld id="{854E2473-ACD8-4513-94D9-67BBAAC51585}" type="datetimeFigureOut">
               <a:rPr lang="zh-TW" altLang="en-US" smtClean="0"/>
-              <a:t>2021/3/14</a:t>
+              <a:t>2021/3/17</a:t>
             </a:fld>
             <a:endParaRPr lang="zh-TW" altLang="en-US"/>
           </a:p>
@@ -2913,7 +2918,7 @@
           <a:p>
             <a:fld id="{854E2473-ACD8-4513-94D9-67BBAAC51585}" type="datetimeFigureOut">
               <a:rPr lang="zh-TW" altLang="en-US" smtClean="0"/>
-              <a:t>2021/3/14</a:t>
+              <a:t>2021/3/17</a:t>
             </a:fld>
             <a:endParaRPr lang="zh-TW" altLang="en-US"/>
           </a:p>
@@ -3393,6 +3398,174 @@
 </p:sld>
 </file>
 
+<file path=ppt/slides/slide10.xml><?xml version="1.0" encoding="utf-8"?>
+<p:sld xmlns:a="http://schemas.openxmlformats.org/drawingml/2006/main" xmlns:r="http://schemas.openxmlformats.org/officeDocument/2006/relationships" xmlns:p="http://schemas.openxmlformats.org/presentationml/2006/main">
+  <p:cSld>
+    <p:spTree>
+      <p:nvGrpSpPr>
+        <p:cNvPr id="1" name=""/>
+        <p:cNvGrpSpPr/>
+        <p:nvPr/>
+      </p:nvGrpSpPr>
+      <p:grpSpPr>
+        <a:xfrm>
+          <a:off x="0" y="0"/>
+          <a:ext cx="0" cy="0"/>
+          <a:chOff x="0" y="0"/>
+          <a:chExt cx="0" cy="0"/>
+        </a:xfrm>
+      </p:grpSpPr>
+      <p:sp>
+        <p:nvSpPr>
+          <p:cNvPr id="2" name="標題 1">
+            <a:extLst>
+              <a:ext uri="{FF2B5EF4-FFF2-40B4-BE49-F238E27FC236}">
+                <a16:creationId xmlns:a16="http://schemas.microsoft.com/office/drawing/2014/main" id="{74CD16D5-BA64-4E71-B51B-97B5D6F7B614}"/>
+              </a:ext>
+            </a:extLst>
+          </p:cNvPr>
+          <p:cNvSpPr>
+            <a:spLocks noGrp="1"/>
+          </p:cNvSpPr>
+          <p:nvPr>
+            <p:ph type="title"/>
+          </p:nvPr>
+        </p:nvSpPr>
+        <p:spPr/>
+        <p:txBody>
+          <a:bodyPr/>
+          <a:lstStyle/>
+          <a:p>
+            <a:endParaRPr lang="zh-TW" altLang="en-US"/>
+          </a:p>
+        </p:txBody>
+      </p:sp>
+      <p:sp>
+        <p:nvSpPr>
+          <p:cNvPr id="3" name="內容版面配置區 2">
+            <a:extLst>
+              <a:ext uri="{FF2B5EF4-FFF2-40B4-BE49-F238E27FC236}">
+                <a16:creationId xmlns:a16="http://schemas.microsoft.com/office/drawing/2014/main" id="{481B7011-D2EC-459A-BE2B-6EEA9BB50EE1}"/>
+              </a:ext>
+            </a:extLst>
+          </p:cNvPr>
+          <p:cNvSpPr>
+            <a:spLocks noGrp="1"/>
+          </p:cNvSpPr>
+          <p:nvPr>
+            <p:ph idx="1"/>
+          </p:nvPr>
+        </p:nvSpPr>
+        <p:spPr/>
+        <p:txBody>
+          <a:bodyPr/>
+          <a:lstStyle/>
+          <a:p>
+            <a:r>
+              <a:rPr lang="zh-TW" altLang="en-US" dirty="0"/>
+              <a:t>各大</a:t>
+            </a:r>
+            <a:r>
+              <a:rPr lang="en-US" altLang="zh-TW" dirty="0"/>
+              <a:t>RPA</a:t>
+            </a:r>
+            <a:r>
+              <a:rPr lang="zh-TW" altLang="en-US" dirty="0"/>
+              <a:t>廠商優勢 </a:t>
+            </a:r>
+            <a:endParaRPr lang="en-US" altLang="zh-TW" dirty="0"/>
+          </a:p>
+          <a:p>
+            <a:r>
+              <a:rPr lang="zh-TW" altLang="en-US" dirty="0"/>
+              <a:t>主流</a:t>
+            </a:r>
+            <a:r>
+              <a:rPr lang="en-US" altLang="zh-TW" dirty="0"/>
+              <a:t>RPA</a:t>
+            </a:r>
+            <a:r>
+              <a:rPr lang="zh-TW" altLang="en-US" dirty="0"/>
+              <a:t> 提供客戶可自行開發</a:t>
+            </a:r>
+            <a:r>
+              <a:rPr lang="en-US" altLang="zh-TW" dirty="0"/>
+              <a:t>custom</a:t>
+            </a:r>
+            <a:r>
+              <a:rPr lang="zh-TW" altLang="en-US" dirty="0"/>
+              <a:t> </a:t>
+            </a:r>
+            <a:r>
+              <a:rPr lang="en-US" altLang="zh-TW" dirty="0"/>
+              <a:t>function(</a:t>
+            </a:r>
+            <a:r>
+              <a:rPr lang="zh-TW" altLang="en-US" dirty="0"/>
+              <a:t>畢竟高手在民間</a:t>
+            </a:r>
+            <a:r>
+              <a:rPr lang="en-US" altLang="zh-TW" dirty="0"/>
+              <a:t>)</a:t>
+            </a:r>
+          </a:p>
+          <a:p>
+            <a:r>
+              <a:rPr lang="en-US" altLang="zh-TW" dirty="0"/>
+              <a:t>RPA Team </a:t>
+            </a:r>
+            <a:r>
+              <a:rPr lang="zh-TW" altLang="en-US" dirty="0"/>
+              <a:t>額外發展</a:t>
+            </a:r>
+            <a:endParaRPr lang="en-US" altLang="zh-TW" dirty="0"/>
+          </a:p>
+          <a:p>
+            <a:pPr lvl="1"/>
+            <a:r>
+              <a:rPr lang="en-US" altLang="zh-TW" dirty="0"/>
+              <a:t>UiPath +  SMG </a:t>
+            </a:r>
+            <a:r>
+              <a:rPr lang="zh-TW" altLang="en-US" dirty="0"/>
+              <a:t> </a:t>
+            </a:r>
+            <a:r>
+              <a:rPr lang="en-US" altLang="zh-TW" dirty="0"/>
+              <a:t>plugin </a:t>
+            </a:r>
+          </a:p>
+          <a:p>
+            <a:pPr lvl="1"/>
+            <a:r>
+              <a:rPr lang="en-US" altLang="zh-TW" dirty="0"/>
+              <a:t>Power automate Desktop + SMG </a:t>
+            </a:r>
+            <a:r>
+              <a:rPr lang="zh-TW" altLang="en-US" dirty="0"/>
+              <a:t> </a:t>
+            </a:r>
+            <a:r>
+              <a:rPr lang="en-US" altLang="zh-TW" dirty="0"/>
+              <a:t>plugin </a:t>
+            </a:r>
+            <a:endParaRPr lang="zh-TW" altLang="en-US" dirty="0"/>
+          </a:p>
+        </p:txBody>
+      </p:sp>
+    </p:spTree>
+    <p:extLst>
+      <p:ext uri="{BB962C8B-B14F-4D97-AF65-F5344CB8AC3E}">
+        <p14:creationId xmlns:p14="http://schemas.microsoft.com/office/powerpoint/2010/main" val="2198545518"/>
+      </p:ext>
+    </p:extLst>
+  </p:cSld>
+  <p:clrMapOvr>
+    <a:masterClrMapping/>
+  </p:clrMapOvr>
+</p:sld>
+</file>
+
 <file path=ppt/slides/slide2.xml><?xml version="1.0" encoding="utf-8"?>
 <p:sld xmlns:a="http://schemas.openxmlformats.org/drawingml/2006/main" xmlns:r="http://schemas.openxmlformats.org/officeDocument/2006/relationships" xmlns:p="http://schemas.openxmlformats.org/presentationml/2006/main">
   <p:cSld>
@@ -3798,6 +3971,510 @@
     <p:extLst>
       <p:ext uri="{BB962C8B-B14F-4D97-AF65-F5344CB8AC3E}">
         <p14:creationId xmlns:p14="http://schemas.microsoft.com/office/powerpoint/2010/main" val="516820198"/>
+      </p:ext>
+    </p:extLst>
+  </p:cSld>
+  <p:clrMapOvr>
+    <a:masterClrMapping/>
+  </p:clrMapOvr>
+</p:sld>
+</file>
+
+<file path=ppt/slides/slide6.xml><?xml version="1.0" encoding="utf-8"?>
+<p:sld xmlns:a="http://schemas.openxmlformats.org/drawingml/2006/main" xmlns:r="http://schemas.openxmlformats.org/officeDocument/2006/relationships" xmlns:p="http://schemas.openxmlformats.org/presentationml/2006/main">
+  <p:cSld>
+    <p:spTree>
+      <p:nvGrpSpPr>
+        <p:cNvPr id="1" name=""/>
+        <p:cNvGrpSpPr/>
+        <p:nvPr/>
+      </p:nvGrpSpPr>
+      <p:grpSpPr>
+        <a:xfrm>
+          <a:off x="0" y="0"/>
+          <a:ext cx="0" cy="0"/>
+          <a:chOff x="0" y="0"/>
+          <a:chExt cx="0" cy="0"/>
+        </a:xfrm>
+      </p:grpSpPr>
+      <p:sp>
+        <p:nvSpPr>
+          <p:cNvPr id="2" name="標題 1">
+            <a:extLst>
+              <a:ext uri="{FF2B5EF4-FFF2-40B4-BE49-F238E27FC236}">
+                <a16:creationId xmlns:a16="http://schemas.microsoft.com/office/drawing/2014/main" id="{8FEF97BA-AA85-4EE6-8CF8-A6EBFEC4250B}"/>
+              </a:ext>
+            </a:extLst>
+          </p:cNvPr>
+          <p:cNvSpPr>
+            <a:spLocks noGrp="1"/>
+          </p:cNvSpPr>
+          <p:nvPr>
+            <p:ph type="title"/>
+          </p:nvPr>
+        </p:nvSpPr>
+        <p:spPr/>
+        <p:txBody>
+          <a:bodyPr/>
+          <a:lstStyle/>
+          <a:p>
+            <a:endParaRPr lang="zh-TW" altLang="en-US"/>
+          </a:p>
+        </p:txBody>
+      </p:sp>
+      <p:pic>
+        <p:nvPicPr>
+          <p:cNvPr id="9" name="內容版面配置區 8">
+            <a:extLst>
+              <a:ext uri="{FF2B5EF4-FFF2-40B4-BE49-F238E27FC236}">
+                <a16:creationId xmlns:a16="http://schemas.microsoft.com/office/drawing/2014/main" id="{413F2CA2-4CC3-4710-B042-0DB6073955D8}"/>
+              </a:ext>
+            </a:extLst>
+          </p:cNvPr>
+          <p:cNvPicPr>
+            <a:picLocks noGrp="1" noChangeAspect="1"/>
+          </p:cNvPicPr>
+          <p:nvPr>
+            <p:ph idx="1"/>
+          </p:nvPr>
+        </p:nvPicPr>
+        <p:blipFill>
+          <a:blip r:embed="rId2"/>
+          <a:stretch>
+            <a:fillRect/>
+          </a:stretch>
+        </p:blipFill>
+        <p:spPr>
+          <a:xfrm>
+            <a:off x="2866008" y="1950544"/>
+            <a:ext cx="1524000" cy="762000"/>
+          </a:xfrm>
+        </p:spPr>
+      </p:pic>
+      <p:pic>
+        <p:nvPicPr>
+          <p:cNvPr id="7" name="圖片 6">
+            <a:extLst>
+              <a:ext uri="{FF2B5EF4-FFF2-40B4-BE49-F238E27FC236}">
+                <a16:creationId xmlns:a16="http://schemas.microsoft.com/office/drawing/2014/main" id="{3E868D13-3ECE-4AEF-8DA2-6F56744AF589}"/>
+              </a:ext>
+            </a:extLst>
+          </p:cNvPr>
+          <p:cNvPicPr>
+            <a:picLocks noChangeAspect="1"/>
+          </p:cNvPicPr>
+          <p:nvPr/>
+        </p:nvPicPr>
+        <p:blipFill>
+          <a:blip r:embed="rId3"/>
+          <a:stretch>
+            <a:fillRect/>
+          </a:stretch>
+        </p:blipFill>
+        <p:spPr>
+          <a:xfrm>
+            <a:off x="976821" y="1950544"/>
+            <a:ext cx="1733550" cy="3667125"/>
+          </a:xfrm>
+          <a:prstGeom prst="rect">
+            <a:avLst/>
+          </a:prstGeom>
+        </p:spPr>
+      </p:pic>
+      <p:pic>
+        <p:nvPicPr>
+          <p:cNvPr id="11" name="圖片 10">
+            <a:extLst>
+              <a:ext uri="{FF2B5EF4-FFF2-40B4-BE49-F238E27FC236}">
+                <a16:creationId xmlns:a16="http://schemas.microsoft.com/office/drawing/2014/main" id="{0AE45ADB-FE05-41F2-83B6-9B0331B764DD}"/>
+              </a:ext>
+            </a:extLst>
+          </p:cNvPr>
+          <p:cNvPicPr>
+            <a:picLocks noChangeAspect="1"/>
+          </p:cNvPicPr>
+          <p:nvPr/>
+        </p:nvPicPr>
+        <p:blipFill>
+          <a:blip r:embed="rId4"/>
+          <a:stretch>
+            <a:fillRect/>
+          </a:stretch>
+        </p:blipFill>
+        <p:spPr>
+          <a:xfrm>
+            <a:off x="4545645" y="1950544"/>
+            <a:ext cx="1704975" cy="2324100"/>
+          </a:xfrm>
+          <a:prstGeom prst="rect">
+            <a:avLst/>
+          </a:prstGeom>
+        </p:spPr>
+      </p:pic>
+      <p:pic>
+        <p:nvPicPr>
+          <p:cNvPr id="13" name="圖片 12">
+            <a:extLst>
+              <a:ext uri="{FF2B5EF4-FFF2-40B4-BE49-F238E27FC236}">
+                <a16:creationId xmlns:a16="http://schemas.microsoft.com/office/drawing/2014/main" id="{584B4388-48EE-400A-B616-4A4A00909A32}"/>
+              </a:ext>
+            </a:extLst>
+          </p:cNvPr>
+          <p:cNvPicPr>
+            <a:picLocks noChangeAspect="1"/>
+          </p:cNvPicPr>
+          <p:nvPr/>
+        </p:nvPicPr>
+        <p:blipFill>
+          <a:blip r:embed="rId5"/>
+          <a:stretch>
+            <a:fillRect/>
+          </a:stretch>
+        </p:blipFill>
+        <p:spPr>
+          <a:xfrm>
+            <a:off x="4390008" y="1636219"/>
+            <a:ext cx="7429500" cy="2638425"/>
+          </a:xfrm>
+          <a:prstGeom prst="rect">
+            <a:avLst/>
+          </a:prstGeom>
+        </p:spPr>
+      </p:pic>
+    </p:spTree>
+    <p:extLst>
+      <p:ext uri="{BB962C8B-B14F-4D97-AF65-F5344CB8AC3E}">
+        <p14:creationId xmlns:p14="http://schemas.microsoft.com/office/powerpoint/2010/main" val="3599362362"/>
+      </p:ext>
+    </p:extLst>
+  </p:cSld>
+  <p:clrMapOvr>
+    <a:masterClrMapping/>
+  </p:clrMapOvr>
+</p:sld>
+</file>
+
+<file path=ppt/slides/slide7.xml><?xml version="1.0" encoding="utf-8"?>
+<p:sld xmlns:a="http://schemas.openxmlformats.org/drawingml/2006/main" xmlns:r="http://schemas.openxmlformats.org/officeDocument/2006/relationships" xmlns:p="http://schemas.openxmlformats.org/presentationml/2006/main">
+  <p:cSld>
+    <p:spTree>
+      <p:nvGrpSpPr>
+        <p:cNvPr id="1" name=""/>
+        <p:cNvGrpSpPr/>
+        <p:nvPr/>
+      </p:nvGrpSpPr>
+      <p:grpSpPr>
+        <a:xfrm>
+          <a:off x="0" y="0"/>
+          <a:ext cx="0" cy="0"/>
+          <a:chOff x="0" y="0"/>
+          <a:chExt cx="0" cy="0"/>
+        </a:xfrm>
+      </p:grpSpPr>
+      <p:sp>
+        <p:nvSpPr>
+          <p:cNvPr id="2" name="標題 1">
+            <a:extLst>
+              <a:ext uri="{FF2B5EF4-FFF2-40B4-BE49-F238E27FC236}">
+                <a16:creationId xmlns:a16="http://schemas.microsoft.com/office/drawing/2014/main" id="{7424F4D8-05BC-48E0-B7C1-96CDA4D4719E}"/>
+              </a:ext>
+            </a:extLst>
+          </p:cNvPr>
+          <p:cNvSpPr>
+            <a:spLocks noGrp="1"/>
+          </p:cNvSpPr>
+          <p:nvPr>
+            <p:ph type="title"/>
+          </p:nvPr>
+        </p:nvSpPr>
+        <p:spPr/>
+        <p:txBody>
+          <a:bodyPr/>
+          <a:lstStyle/>
+          <a:p>
+            <a:endParaRPr lang="zh-TW" altLang="en-US"/>
+          </a:p>
+        </p:txBody>
+      </p:sp>
+      <p:sp>
+        <p:nvSpPr>
+          <p:cNvPr id="3" name="內容版面配置區 2">
+            <a:extLst>
+              <a:ext uri="{FF2B5EF4-FFF2-40B4-BE49-F238E27FC236}">
+                <a16:creationId xmlns:a16="http://schemas.microsoft.com/office/drawing/2014/main" id="{82D46610-47E3-4B91-B563-3359522D6517}"/>
+              </a:ext>
+            </a:extLst>
+          </p:cNvPr>
+          <p:cNvSpPr>
+            <a:spLocks noGrp="1"/>
+          </p:cNvSpPr>
+          <p:nvPr>
+            <p:ph idx="1"/>
+          </p:nvPr>
+        </p:nvSpPr>
+        <p:spPr/>
+        <p:txBody>
+          <a:bodyPr/>
+          <a:lstStyle/>
+          <a:p>
+            <a:endParaRPr lang="zh-TW" altLang="en-US" dirty="0"/>
+          </a:p>
+        </p:txBody>
+      </p:sp>
+      <p:pic>
+        <p:nvPicPr>
+          <p:cNvPr id="5" name="圖片 4">
+            <a:extLst>
+              <a:ext uri="{FF2B5EF4-FFF2-40B4-BE49-F238E27FC236}">
+                <a16:creationId xmlns:a16="http://schemas.microsoft.com/office/drawing/2014/main" id="{15A30AB8-82DA-4534-917F-AB31CBB7F401}"/>
+              </a:ext>
+            </a:extLst>
+          </p:cNvPr>
+          <p:cNvPicPr>
+            <a:picLocks noChangeAspect="1"/>
+          </p:cNvPicPr>
+          <p:nvPr/>
+        </p:nvPicPr>
+        <p:blipFill>
+          <a:blip r:embed="rId2"/>
+          <a:stretch>
+            <a:fillRect/>
+          </a:stretch>
+        </p:blipFill>
+        <p:spPr>
+          <a:xfrm>
+            <a:off x="1614487" y="1731090"/>
+            <a:ext cx="8230849" cy="4540407"/>
+          </a:xfrm>
+          <a:prstGeom prst="rect">
+            <a:avLst/>
+          </a:prstGeom>
+        </p:spPr>
+      </p:pic>
+    </p:spTree>
+    <p:extLst>
+      <p:ext uri="{BB962C8B-B14F-4D97-AF65-F5344CB8AC3E}">
+        <p14:creationId xmlns:p14="http://schemas.microsoft.com/office/powerpoint/2010/main" val="2416438635"/>
+      </p:ext>
+    </p:extLst>
+  </p:cSld>
+  <p:clrMapOvr>
+    <a:masterClrMapping/>
+  </p:clrMapOvr>
+</p:sld>
+</file>
+
+<file path=ppt/slides/slide8.xml><?xml version="1.0" encoding="utf-8"?>
+<p:sld xmlns:a="http://schemas.openxmlformats.org/drawingml/2006/main" xmlns:r="http://schemas.openxmlformats.org/officeDocument/2006/relationships" xmlns:p="http://schemas.openxmlformats.org/presentationml/2006/main">
+  <p:cSld>
+    <p:spTree>
+      <p:nvGrpSpPr>
+        <p:cNvPr id="1" name=""/>
+        <p:cNvGrpSpPr/>
+        <p:nvPr/>
+      </p:nvGrpSpPr>
+      <p:grpSpPr>
+        <a:xfrm>
+          <a:off x="0" y="0"/>
+          <a:ext cx="0" cy="0"/>
+          <a:chOff x="0" y="0"/>
+          <a:chExt cx="0" cy="0"/>
+        </a:xfrm>
+      </p:grpSpPr>
+      <p:sp>
+        <p:nvSpPr>
+          <p:cNvPr id="2" name="標題 1">
+            <a:extLst>
+              <a:ext uri="{FF2B5EF4-FFF2-40B4-BE49-F238E27FC236}">
+                <a16:creationId xmlns:a16="http://schemas.microsoft.com/office/drawing/2014/main" id="{4EE400C4-5FC4-4B55-AFA4-C28FCBC92709}"/>
+              </a:ext>
+            </a:extLst>
+          </p:cNvPr>
+          <p:cNvSpPr>
+            <a:spLocks noGrp="1"/>
+          </p:cNvSpPr>
+          <p:nvPr>
+            <p:ph type="title"/>
+          </p:nvPr>
+        </p:nvSpPr>
+        <p:spPr/>
+        <p:txBody>
+          <a:bodyPr/>
+          <a:lstStyle/>
+          <a:p>
+            <a:endParaRPr lang="zh-TW" altLang="en-US"/>
+          </a:p>
+        </p:txBody>
+      </p:sp>
+      <p:sp>
+        <p:nvSpPr>
+          <p:cNvPr id="3" name="內容版面配置區 2">
+            <a:extLst>
+              <a:ext uri="{FF2B5EF4-FFF2-40B4-BE49-F238E27FC236}">
+                <a16:creationId xmlns:a16="http://schemas.microsoft.com/office/drawing/2014/main" id="{A19F75E5-FE5C-4A95-B20E-1963F4D69E02}"/>
+              </a:ext>
+            </a:extLst>
+          </p:cNvPr>
+          <p:cNvSpPr>
+            <a:spLocks noGrp="1"/>
+          </p:cNvSpPr>
+          <p:nvPr>
+            <p:ph idx="1"/>
+          </p:nvPr>
+        </p:nvSpPr>
+        <p:spPr/>
+        <p:txBody>
+          <a:bodyPr/>
+          <a:lstStyle/>
+          <a:p>
+            <a:endParaRPr lang="zh-TW" altLang="en-US"/>
+          </a:p>
+        </p:txBody>
+      </p:sp>
+      <p:pic>
+        <p:nvPicPr>
+          <p:cNvPr id="5" name="圖片 4">
+            <a:extLst>
+              <a:ext uri="{FF2B5EF4-FFF2-40B4-BE49-F238E27FC236}">
+                <a16:creationId xmlns:a16="http://schemas.microsoft.com/office/drawing/2014/main" id="{E39CBC19-64E9-4791-BA7F-4129E7E2BD76}"/>
+              </a:ext>
+            </a:extLst>
+          </p:cNvPr>
+          <p:cNvPicPr>
+            <a:picLocks noChangeAspect="1"/>
+          </p:cNvPicPr>
+          <p:nvPr/>
+        </p:nvPicPr>
+        <p:blipFill>
+          <a:blip r:embed="rId2"/>
+          <a:stretch>
+            <a:fillRect/>
+          </a:stretch>
+        </p:blipFill>
+        <p:spPr>
+          <a:xfrm>
+            <a:off x="1090519" y="681037"/>
+            <a:ext cx="9229725" cy="6143625"/>
+          </a:xfrm>
+          <a:prstGeom prst="rect">
+            <a:avLst/>
+          </a:prstGeom>
+        </p:spPr>
+      </p:pic>
+    </p:spTree>
+    <p:extLst>
+      <p:ext uri="{BB962C8B-B14F-4D97-AF65-F5344CB8AC3E}">
+        <p14:creationId xmlns:p14="http://schemas.microsoft.com/office/powerpoint/2010/main" val="1790101009"/>
+      </p:ext>
+    </p:extLst>
+  </p:cSld>
+  <p:clrMapOvr>
+    <a:masterClrMapping/>
+  </p:clrMapOvr>
+</p:sld>
+</file>
+
+<file path=ppt/slides/slide9.xml><?xml version="1.0" encoding="utf-8"?>
+<p:sld xmlns:a="http://schemas.openxmlformats.org/drawingml/2006/main" xmlns:r="http://schemas.openxmlformats.org/officeDocument/2006/relationships" xmlns:p="http://schemas.openxmlformats.org/presentationml/2006/main">
+  <p:cSld>
+    <p:spTree>
+      <p:nvGrpSpPr>
+        <p:cNvPr id="1" name=""/>
+        <p:cNvGrpSpPr/>
+        <p:nvPr/>
+      </p:nvGrpSpPr>
+      <p:grpSpPr>
+        <a:xfrm>
+          <a:off x="0" y="0"/>
+          <a:ext cx="0" cy="0"/>
+          <a:chOff x="0" y="0"/>
+          <a:chExt cx="0" cy="0"/>
+        </a:xfrm>
+      </p:grpSpPr>
+      <p:sp>
+        <p:nvSpPr>
+          <p:cNvPr id="2" name="標題 1">
+            <a:extLst>
+              <a:ext uri="{FF2B5EF4-FFF2-40B4-BE49-F238E27FC236}">
+                <a16:creationId xmlns:a16="http://schemas.microsoft.com/office/drawing/2014/main" id="{2C758E42-FBBD-4568-8DDF-B7DB52C2C2D6}"/>
+              </a:ext>
+            </a:extLst>
+          </p:cNvPr>
+          <p:cNvSpPr>
+            <a:spLocks noGrp="1"/>
+          </p:cNvSpPr>
+          <p:nvPr>
+            <p:ph type="title"/>
+          </p:nvPr>
+        </p:nvSpPr>
+        <p:spPr/>
+        <p:txBody>
+          <a:bodyPr/>
+          <a:lstStyle/>
+          <a:p>
+            <a:endParaRPr lang="zh-TW" altLang="en-US"/>
+          </a:p>
+        </p:txBody>
+      </p:sp>
+      <p:sp>
+        <p:nvSpPr>
+          <p:cNvPr id="3" name="內容版面配置區 2">
+            <a:extLst>
+              <a:ext uri="{FF2B5EF4-FFF2-40B4-BE49-F238E27FC236}">
+                <a16:creationId xmlns:a16="http://schemas.microsoft.com/office/drawing/2014/main" id="{A7B9EEE9-C17D-4BCD-A1A9-EE3398CDE784}"/>
+              </a:ext>
+            </a:extLst>
+          </p:cNvPr>
+          <p:cNvSpPr>
+            <a:spLocks noGrp="1"/>
+          </p:cNvSpPr>
+          <p:nvPr>
+            <p:ph idx="1"/>
+          </p:nvPr>
+        </p:nvSpPr>
+        <p:spPr/>
+        <p:txBody>
+          <a:bodyPr/>
+          <a:lstStyle/>
+          <a:p>
+            <a:endParaRPr lang="zh-TW" altLang="en-US"/>
+          </a:p>
+        </p:txBody>
+      </p:sp>
+      <p:pic>
+        <p:nvPicPr>
+          <p:cNvPr id="5" name="圖片 4">
+            <a:extLst>
+              <a:ext uri="{FF2B5EF4-FFF2-40B4-BE49-F238E27FC236}">
+                <a16:creationId xmlns:a16="http://schemas.microsoft.com/office/drawing/2014/main" id="{7F37AECD-18DF-469C-8286-FAAA2A9C5BE0}"/>
+              </a:ext>
+            </a:extLst>
+          </p:cNvPr>
+          <p:cNvPicPr>
+            <a:picLocks noChangeAspect="1"/>
+          </p:cNvPicPr>
+          <p:nvPr/>
+        </p:nvPicPr>
+        <p:blipFill>
+          <a:blip r:embed="rId2"/>
+          <a:stretch>
+            <a:fillRect/>
+          </a:stretch>
+        </p:blipFill>
+        <p:spPr>
+          <a:xfrm>
+            <a:off x="1027358" y="1027906"/>
+            <a:ext cx="7953375" cy="5343525"/>
+          </a:xfrm>
+          <a:prstGeom prst="rect">
+            <a:avLst/>
+          </a:prstGeom>
+        </p:spPr>
+      </p:pic>
+    </p:spTree>
+    <p:extLst>
+      <p:ext uri="{BB962C8B-B14F-4D97-AF65-F5344CB8AC3E}">
+        <p14:creationId xmlns:p14="http://schemas.microsoft.com/office/powerpoint/2010/main" val="2705333550"/>
       </p:ext>
     </p:extLst>
   </p:cSld>

--- a/Power Automate  Desktop.pptx
+++ b/Power Automate  Desktop.pptx
@@ -14,7 +14,8 @@
     <p:sldId id="262" r:id="rId8"/>
     <p:sldId id="265" r:id="rId9"/>
     <p:sldId id="264" r:id="rId10"/>
-    <p:sldId id="263" r:id="rId11"/>
+    <p:sldId id="266" r:id="rId11"/>
+    <p:sldId id="263" r:id="rId12"/>
   </p:sldIdLst>
   <p:sldSz cx="12192000" cy="6858000"/>
   <p:notesSz cx="6858000" cy="9144000"/>
@@ -268,7 +269,7 @@
           <a:p>
             <a:fld id="{854E2473-ACD8-4513-94D9-67BBAAC51585}" type="datetimeFigureOut">
               <a:rPr lang="zh-TW" altLang="en-US" smtClean="0"/>
-              <a:t>2021/3/17</a:t>
+              <a:t>2021/3/19</a:t>
             </a:fld>
             <a:endParaRPr lang="zh-TW" altLang="en-US"/>
           </a:p>
@@ -466,7 +467,7 @@
           <a:p>
             <a:fld id="{854E2473-ACD8-4513-94D9-67BBAAC51585}" type="datetimeFigureOut">
               <a:rPr lang="zh-TW" altLang="en-US" smtClean="0"/>
-              <a:t>2021/3/17</a:t>
+              <a:t>2021/3/19</a:t>
             </a:fld>
             <a:endParaRPr lang="zh-TW" altLang="en-US"/>
           </a:p>
@@ -674,7 +675,7 @@
           <a:p>
             <a:fld id="{854E2473-ACD8-4513-94D9-67BBAAC51585}" type="datetimeFigureOut">
               <a:rPr lang="zh-TW" altLang="en-US" smtClean="0"/>
-              <a:t>2021/3/17</a:t>
+              <a:t>2021/3/19</a:t>
             </a:fld>
             <a:endParaRPr lang="zh-TW" altLang="en-US"/>
           </a:p>
@@ -872,7 +873,7 @@
           <a:p>
             <a:fld id="{854E2473-ACD8-4513-94D9-67BBAAC51585}" type="datetimeFigureOut">
               <a:rPr lang="zh-TW" altLang="en-US" smtClean="0"/>
-              <a:t>2021/3/17</a:t>
+              <a:t>2021/3/19</a:t>
             </a:fld>
             <a:endParaRPr lang="zh-TW" altLang="en-US"/>
           </a:p>
@@ -1147,7 +1148,7 @@
           <a:p>
             <a:fld id="{854E2473-ACD8-4513-94D9-67BBAAC51585}" type="datetimeFigureOut">
               <a:rPr lang="zh-TW" altLang="en-US" smtClean="0"/>
-              <a:t>2021/3/17</a:t>
+              <a:t>2021/3/19</a:t>
             </a:fld>
             <a:endParaRPr lang="zh-TW" altLang="en-US"/>
           </a:p>
@@ -1412,7 +1413,7 @@
           <a:p>
             <a:fld id="{854E2473-ACD8-4513-94D9-67BBAAC51585}" type="datetimeFigureOut">
               <a:rPr lang="zh-TW" altLang="en-US" smtClean="0"/>
-              <a:t>2021/3/17</a:t>
+              <a:t>2021/3/19</a:t>
             </a:fld>
             <a:endParaRPr lang="zh-TW" altLang="en-US"/>
           </a:p>
@@ -1824,7 +1825,7 @@
           <a:p>
             <a:fld id="{854E2473-ACD8-4513-94D9-67BBAAC51585}" type="datetimeFigureOut">
               <a:rPr lang="zh-TW" altLang="en-US" smtClean="0"/>
-              <a:t>2021/3/17</a:t>
+              <a:t>2021/3/19</a:t>
             </a:fld>
             <a:endParaRPr lang="zh-TW" altLang="en-US"/>
           </a:p>
@@ -1965,7 +1966,7 @@
           <a:p>
             <a:fld id="{854E2473-ACD8-4513-94D9-67BBAAC51585}" type="datetimeFigureOut">
               <a:rPr lang="zh-TW" altLang="en-US" smtClean="0"/>
-              <a:t>2021/3/17</a:t>
+              <a:t>2021/3/19</a:t>
             </a:fld>
             <a:endParaRPr lang="zh-TW" altLang="en-US"/>
           </a:p>
@@ -2078,7 +2079,7 @@
           <a:p>
             <a:fld id="{854E2473-ACD8-4513-94D9-67BBAAC51585}" type="datetimeFigureOut">
               <a:rPr lang="zh-TW" altLang="en-US" smtClean="0"/>
-              <a:t>2021/3/17</a:t>
+              <a:t>2021/3/19</a:t>
             </a:fld>
             <a:endParaRPr lang="zh-TW" altLang="en-US"/>
           </a:p>
@@ -2389,7 +2390,7 @@
           <a:p>
             <a:fld id="{854E2473-ACD8-4513-94D9-67BBAAC51585}" type="datetimeFigureOut">
               <a:rPr lang="zh-TW" altLang="en-US" smtClean="0"/>
-              <a:t>2021/3/17</a:t>
+              <a:t>2021/3/19</a:t>
             </a:fld>
             <a:endParaRPr lang="zh-TW" altLang="en-US"/>
           </a:p>
@@ -2677,7 +2678,7 @@
           <a:p>
             <a:fld id="{854E2473-ACD8-4513-94D9-67BBAAC51585}" type="datetimeFigureOut">
               <a:rPr lang="zh-TW" altLang="en-US" smtClean="0"/>
-              <a:t>2021/3/17</a:t>
+              <a:t>2021/3/19</a:t>
             </a:fld>
             <a:endParaRPr lang="zh-TW" altLang="en-US"/>
           </a:p>
@@ -2918,7 +2919,7 @@
           <a:p>
             <a:fld id="{854E2473-ACD8-4513-94D9-67BBAAC51585}" type="datetimeFigureOut">
               <a:rPr lang="zh-TW" altLang="en-US" smtClean="0"/>
-              <a:t>2021/3/17</a:t>
+              <a:t>2021/3/19</a:t>
             </a:fld>
             <a:endParaRPr lang="zh-TW" altLang="en-US"/>
           </a:p>
@@ -3399,6 +3400,356 @@
 </file>
 
 <file path=ppt/slides/slide10.xml><?xml version="1.0" encoding="utf-8"?>
+<p:sld xmlns:a="http://schemas.openxmlformats.org/drawingml/2006/main" xmlns:r="http://schemas.openxmlformats.org/officeDocument/2006/relationships" xmlns:p="http://schemas.openxmlformats.org/presentationml/2006/main">
+  <p:cSld>
+    <p:spTree>
+      <p:nvGrpSpPr>
+        <p:cNvPr id="1" name=""/>
+        <p:cNvGrpSpPr/>
+        <p:nvPr/>
+      </p:nvGrpSpPr>
+      <p:grpSpPr>
+        <a:xfrm>
+          <a:off x="0" y="0"/>
+          <a:ext cx="0" cy="0"/>
+          <a:chOff x="0" y="0"/>
+          <a:chExt cx="0" cy="0"/>
+        </a:xfrm>
+      </p:grpSpPr>
+      <p:sp>
+        <p:nvSpPr>
+          <p:cNvPr id="2" name="標題 1">
+            <a:extLst>
+              <a:ext uri="{FF2B5EF4-FFF2-40B4-BE49-F238E27FC236}">
+                <a16:creationId xmlns:a16="http://schemas.microsoft.com/office/drawing/2014/main" id="{978F18B2-87E3-4BD2-BD69-915D94D0A2C1}"/>
+              </a:ext>
+            </a:extLst>
+          </p:cNvPr>
+          <p:cNvSpPr>
+            <a:spLocks noGrp="1"/>
+          </p:cNvSpPr>
+          <p:nvPr>
+            <p:ph type="title"/>
+          </p:nvPr>
+        </p:nvSpPr>
+        <p:spPr/>
+        <p:txBody>
+          <a:bodyPr/>
+          <a:lstStyle/>
+          <a:p>
+            <a:endParaRPr lang="zh-TW" altLang="en-US"/>
+          </a:p>
+        </p:txBody>
+      </p:sp>
+      <p:sp>
+        <p:nvSpPr>
+          <p:cNvPr id="3" name="內容版面配置區 2">
+            <a:extLst>
+              <a:ext uri="{FF2B5EF4-FFF2-40B4-BE49-F238E27FC236}">
+                <a16:creationId xmlns:a16="http://schemas.microsoft.com/office/drawing/2014/main" id="{E01D2414-FE42-464E-ABD1-A2603072EB77}"/>
+              </a:ext>
+            </a:extLst>
+          </p:cNvPr>
+          <p:cNvSpPr>
+            <a:spLocks noGrp="1"/>
+          </p:cNvSpPr>
+          <p:nvPr>
+            <p:ph idx="1"/>
+          </p:nvPr>
+        </p:nvSpPr>
+        <p:spPr/>
+        <p:txBody>
+          <a:bodyPr/>
+          <a:lstStyle/>
+          <a:p>
+            <a:endParaRPr lang="zh-TW" altLang="en-US" dirty="0"/>
+          </a:p>
+        </p:txBody>
+      </p:sp>
+      <p:pic>
+        <p:nvPicPr>
+          <p:cNvPr id="5" name="圖片 4">
+            <a:extLst>
+              <a:ext uri="{FF2B5EF4-FFF2-40B4-BE49-F238E27FC236}">
+                <a16:creationId xmlns:a16="http://schemas.microsoft.com/office/drawing/2014/main" id="{4EC959C4-E1F9-4919-BAB4-EB346BEC7E17}"/>
+              </a:ext>
+            </a:extLst>
+          </p:cNvPr>
+          <p:cNvPicPr>
+            <a:picLocks noChangeAspect="1"/>
+          </p:cNvPicPr>
+          <p:nvPr/>
+        </p:nvPicPr>
+        <p:blipFill>
+          <a:blip r:embed="rId2"/>
+          <a:stretch>
+            <a:fillRect/>
+          </a:stretch>
+        </p:blipFill>
+        <p:spPr>
+          <a:xfrm>
+            <a:off x="838200" y="1503516"/>
+            <a:ext cx="2238375" cy="4543425"/>
+          </a:xfrm>
+          <a:prstGeom prst="rect">
+            <a:avLst/>
+          </a:prstGeom>
+        </p:spPr>
+      </p:pic>
+      <p:pic>
+        <p:nvPicPr>
+          <p:cNvPr id="7" name="圖片 6">
+            <a:extLst>
+              <a:ext uri="{FF2B5EF4-FFF2-40B4-BE49-F238E27FC236}">
+                <a16:creationId xmlns:a16="http://schemas.microsoft.com/office/drawing/2014/main" id="{A86BBE91-1A86-41D0-9B5A-E030B0D00842}"/>
+              </a:ext>
+            </a:extLst>
+          </p:cNvPr>
+          <p:cNvPicPr>
+            <a:picLocks noChangeAspect="1"/>
+          </p:cNvPicPr>
+          <p:nvPr/>
+        </p:nvPicPr>
+        <p:blipFill>
+          <a:blip r:embed="rId3"/>
+          <a:stretch>
+            <a:fillRect/>
+          </a:stretch>
+        </p:blipFill>
+        <p:spPr>
+          <a:xfrm>
+            <a:off x="3185789" y="1141566"/>
+            <a:ext cx="6743700" cy="4905375"/>
+          </a:xfrm>
+          <a:prstGeom prst="rect">
+            <a:avLst/>
+          </a:prstGeom>
+        </p:spPr>
+      </p:pic>
+      <p:pic>
+        <p:nvPicPr>
+          <p:cNvPr id="9" name="圖片 8">
+            <a:extLst>
+              <a:ext uri="{FF2B5EF4-FFF2-40B4-BE49-F238E27FC236}">
+                <a16:creationId xmlns:a16="http://schemas.microsoft.com/office/drawing/2014/main" id="{6F35869F-9284-4317-9584-347279EBD09D}"/>
+              </a:ext>
+            </a:extLst>
+          </p:cNvPr>
+          <p:cNvPicPr>
+            <a:picLocks noChangeAspect="1"/>
+          </p:cNvPicPr>
+          <p:nvPr/>
+        </p:nvPicPr>
+        <p:blipFill>
+          <a:blip r:embed="rId4"/>
+          <a:stretch>
+            <a:fillRect/>
+          </a:stretch>
+        </p:blipFill>
+        <p:spPr>
+          <a:xfrm>
+            <a:off x="5362575" y="3861139"/>
+            <a:ext cx="1466850" cy="1390650"/>
+          </a:xfrm>
+          <a:prstGeom prst="rect">
+            <a:avLst/>
+          </a:prstGeom>
+        </p:spPr>
+      </p:pic>
+      <p:pic>
+        <p:nvPicPr>
+          <p:cNvPr id="11" name="圖片 10">
+            <a:extLst>
+              <a:ext uri="{FF2B5EF4-FFF2-40B4-BE49-F238E27FC236}">
+                <a16:creationId xmlns:a16="http://schemas.microsoft.com/office/drawing/2014/main" id="{3E2D29C9-8583-4DDE-AFE5-85AB40A2FD0C}"/>
+              </a:ext>
+            </a:extLst>
+          </p:cNvPr>
+          <p:cNvPicPr>
+            <a:picLocks noChangeAspect="1"/>
+          </p:cNvPicPr>
+          <p:nvPr/>
+        </p:nvPicPr>
+        <p:blipFill>
+          <a:blip r:embed="rId5"/>
+          <a:stretch>
+            <a:fillRect/>
+          </a:stretch>
+        </p:blipFill>
+        <p:spPr>
+          <a:xfrm>
+            <a:off x="5233987" y="2176462"/>
+            <a:ext cx="1724025" cy="2505075"/>
+          </a:xfrm>
+          <a:prstGeom prst="rect">
+            <a:avLst/>
+          </a:prstGeom>
+        </p:spPr>
+      </p:pic>
+      <p:pic>
+        <p:nvPicPr>
+          <p:cNvPr id="13" name="圖片 12">
+            <a:extLst>
+              <a:ext uri="{FF2B5EF4-FFF2-40B4-BE49-F238E27FC236}">
+                <a16:creationId xmlns:a16="http://schemas.microsoft.com/office/drawing/2014/main" id="{DFE4B392-3D86-4E35-BDB2-5AFFB5B5F477}"/>
+              </a:ext>
+            </a:extLst>
+          </p:cNvPr>
+          <p:cNvPicPr>
+            <a:picLocks noChangeAspect="1"/>
+          </p:cNvPicPr>
+          <p:nvPr/>
+        </p:nvPicPr>
+        <p:blipFill>
+          <a:blip r:embed="rId6"/>
+          <a:stretch>
+            <a:fillRect/>
+          </a:stretch>
+        </p:blipFill>
+        <p:spPr>
+          <a:xfrm>
+            <a:off x="7205985" y="681037"/>
+            <a:ext cx="1800225" cy="5762625"/>
+          </a:xfrm>
+          <a:prstGeom prst="rect">
+            <a:avLst/>
+          </a:prstGeom>
+        </p:spPr>
+      </p:pic>
+      <p:pic>
+        <p:nvPicPr>
+          <p:cNvPr id="15" name="圖片 14">
+            <a:extLst>
+              <a:ext uri="{FF2B5EF4-FFF2-40B4-BE49-F238E27FC236}">
+                <a16:creationId xmlns:a16="http://schemas.microsoft.com/office/drawing/2014/main" id="{308A6528-E71D-459C-986D-D88B218412CB}"/>
+              </a:ext>
+            </a:extLst>
+          </p:cNvPr>
+          <p:cNvPicPr>
+            <a:picLocks noChangeAspect="1"/>
+          </p:cNvPicPr>
+          <p:nvPr/>
+        </p:nvPicPr>
+        <p:blipFill>
+          <a:blip r:embed="rId7"/>
+          <a:stretch>
+            <a:fillRect/>
+          </a:stretch>
+        </p:blipFill>
+        <p:spPr>
+          <a:xfrm>
+            <a:off x="9491016" y="858684"/>
+            <a:ext cx="1800225" cy="4857750"/>
+          </a:xfrm>
+          <a:prstGeom prst="rect">
+            <a:avLst/>
+          </a:prstGeom>
+        </p:spPr>
+      </p:pic>
+      <p:pic>
+        <p:nvPicPr>
+          <p:cNvPr id="17" name="圖片 16">
+            <a:extLst>
+              <a:ext uri="{FF2B5EF4-FFF2-40B4-BE49-F238E27FC236}">
+                <a16:creationId xmlns:a16="http://schemas.microsoft.com/office/drawing/2014/main" id="{F622E945-9943-40C7-A741-EF9264A0C81F}"/>
+              </a:ext>
+            </a:extLst>
+          </p:cNvPr>
+          <p:cNvPicPr>
+            <a:picLocks noChangeAspect="1"/>
+          </p:cNvPicPr>
+          <p:nvPr/>
+        </p:nvPicPr>
+        <p:blipFill>
+          <a:blip r:embed="rId8"/>
+          <a:stretch>
+            <a:fillRect/>
+          </a:stretch>
+        </p:blipFill>
+        <p:spPr>
+          <a:xfrm>
+            <a:off x="4410075" y="180975"/>
+            <a:ext cx="3371850" cy="6496050"/>
+          </a:xfrm>
+          <a:prstGeom prst="rect">
+            <a:avLst/>
+          </a:prstGeom>
+        </p:spPr>
+      </p:pic>
+      <p:pic>
+        <p:nvPicPr>
+          <p:cNvPr id="19" name="圖片 18">
+            <a:extLst>
+              <a:ext uri="{FF2B5EF4-FFF2-40B4-BE49-F238E27FC236}">
+                <a16:creationId xmlns:a16="http://schemas.microsoft.com/office/drawing/2014/main" id="{A0EB5349-EC96-4ABD-AA08-738DEE8C4C3A}"/>
+              </a:ext>
+            </a:extLst>
+          </p:cNvPr>
+          <p:cNvPicPr>
+            <a:picLocks noChangeAspect="1"/>
+          </p:cNvPicPr>
+          <p:nvPr/>
+        </p:nvPicPr>
+        <p:blipFill>
+          <a:blip r:embed="rId9"/>
+          <a:stretch>
+            <a:fillRect/>
+          </a:stretch>
+        </p:blipFill>
+        <p:spPr>
+          <a:xfrm>
+            <a:off x="5010150" y="95250"/>
+            <a:ext cx="2171700" cy="6667500"/>
+          </a:xfrm>
+          <a:prstGeom prst="rect">
+            <a:avLst/>
+          </a:prstGeom>
+        </p:spPr>
+      </p:pic>
+      <p:pic>
+        <p:nvPicPr>
+          <p:cNvPr id="21" name="圖片 20">
+            <a:extLst>
+              <a:ext uri="{FF2B5EF4-FFF2-40B4-BE49-F238E27FC236}">
+                <a16:creationId xmlns:a16="http://schemas.microsoft.com/office/drawing/2014/main" id="{FDBF1957-A3B0-43C8-BF5A-16211A7FD444}"/>
+              </a:ext>
+            </a:extLst>
+          </p:cNvPr>
+          <p:cNvPicPr>
+            <a:picLocks noChangeAspect="1"/>
+          </p:cNvPicPr>
+          <p:nvPr/>
+        </p:nvPicPr>
+        <p:blipFill>
+          <a:blip r:embed="rId10"/>
+          <a:stretch>
+            <a:fillRect/>
+          </a:stretch>
+        </p:blipFill>
+        <p:spPr>
+          <a:xfrm>
+            <a:off x="8907933" y="414338"/>
+            <a:ext cx="2266950" cy="6648450"/>
+          </a:xfrm>
+          <a:prstGeom prst="rect">
+            <a:avLst/>
+          </a:prstGeom>
+        </p:spPr>
+      </p:pic>
+    </p:spTree>
+    <p:extLst>
+      <p:ext uri="{BB962C8B-B14F-4D97-AF65-F5344CB8AC3E}">
+        <p14:creationId xmlns:p14="http://schemas.microsoft.com/office/powerpoint/2010/main" val="84447297"/>
+      </p:ext>
+    </p:extLst>
+  </p:cSld>
+  <p:clrMapOvr>
+    <a:masterClrMapping/>
+  </p:clrMapOvr>
+</p:sld>
+</file>
+
+<file path=ppt/slides/slide11.xml><?xml version="1.0" encoding="utf-8"?>
 <p:sld xmlns:a="http://schemas.openxmlformats.org/drawingml/2006/main" xmlns:r="http://schemas.openxmlformats.org/officeDocument/2006/relationships" xmlns:p="http://schemas.openxmlformats.org/presentationml/2006/main">
   <p:cSld>
     <p:spTree>
